--- a/go talk.pptx
+++ b/go talk.pptx
@@ -5,10 +5,10 @@
     <p:sldMasterId id="2147483648" r:id="rId1"/>
   </p:sldMasterIdLst>
   <p:notesMasterIdLst>
-    <p:notesMasterId r:id="rId30"/>
+    <p:notesMasterId r:id="rId31"/>
   </p:notesMasterIdLst>
   <p:handoutMasterIdLst>
-    <p:handoutMasterId r:id="rId31"/>
+    <p:handoutMasterId r:id="rId32"/>
   </p:handoutMasterIdLst>
   <p:sldIdLst>
     <p:sldId id="256" r:id="rId2"/>
@@ -37,8 +37,9 @@
     <p:sldId id="298" r:id="rId25"/>
     <p:sldId id="299" r:id="rId26"/>
     <p:sldId id="301" r:id="rId27"/>
-    <p:sldId id="300" r:id="rId28"/>
-    <p:sldId id="275" r:id="rId29"/>
+    <p:sldId id="304" r:id="rId28"/>
+    <p:sldId id="300" r:id="rId29"/>
+    <p:sldId id="275" r:id="rId30"/>
   </p:sldIdLst>
   <p:sldSz cx="9144000" cy="5143500" type="screen16x9"/>
   <p:notesSz cx="6858000" cy="9144000"/>
@@ -4562,11 +4563,7 @@
           <a:p>
             <a:r>
               <a:rPr lang="en-US" dirty="0" smtClean="0"/>
-              <a:t>for range </a:t>
-            </a:r>
-            <a:r>
-              <a:rPr lang="en-US" dirty="0" smtClean="0"/>
-              <a:t>vs Enumerable</a:t>
+              <a:t>for range vs Enumerable</a:t>
             </a:r>
             <a:endParaRPr lang="en-US" dirty="0"/>
           </a:p>
@@ -5787,25 +5784,59 @@
       </p:grpSpPr>
       <p:sp>
         <p:nvSpPr>
-          <p:cNvPr id="2" name="Text Placeholder 1"/>
-          <p:cNvSpPr>
-            <a:spLocks noGrp="1"/>
-          </p:cNvSpPr>
-          <p:nvPr>
-            <p:ph type="body" sz="quarter" idx="10"/>
+          <p:cNvPr id="2" name="Title 1"/>
+          <p:cNvSpPr>
+            <a:spLocks noGrp="1"/>
+          </p:cNvSpPr>
+          <p:nvPr>
+            <p:ph type="title"/>
           </p:nvPr>
         </p:nvSpPr>
         <p:spPr/>
         <p:txBody>
-          <a:bodyPr>
-            <a:normAutofit/>
-          </a:bodyPr>
+          <a:bodyPr/>
           <a:lstStyle/>
           <a:p>
             <a:r>
               <a:rPr lang="en-US" dirty="0" smtClean="0"/>
-              <a:t>Questions?</a:t>
-            </a:r>
+              <a:t>This Talk	</a:t>
+            </a:r>
+            <a:endParaRPr lang="en-US" dirty="0"/>
+          </a:p>
+        </p:txBody>
+      </p:sp>
+      <p:sp>
+        <p:nvSpPr>
+          <p:cNvPr id="3" name="Content Placeholder 2"/>
+          <p:cNvSpPr>
+            <a:spLocks noGrp="1"/>
+          </p:cNvSpPr>
+          <p:nvPr>
+            <p:ph sz="quarter" idx="11"/>
+          </p:nvPr>
+        </p:nvSpPr>
+        <p:spPr/>
+        <p:txBody>
+          <a:bodyPr/>
+          <a:lstStyle/>
+          <a:p>
+            <a:pPr marL="285750" indent="-285750" algn="ctr">
+              <a:buFont typeface="Arial" charset="0"/>
+              <a:buChar char="•"/>
+            </a:pPr>
+            <a:r>
+              <a:rPr lang="en-US" dirty="0" smtClean="0">
+                <a:hlinkClick r:id="rId2"/>
+              </a:rPr>
+              <a:t>http://github.com/jredville/go_talk</a:t>
+            </a:r>
+            <a:endParaRPr lang="en-US" dirty="0" smtClean="0"/>
+          </a:p>
+          <a:p>
+            <a:pPr marL="285750" indent="-285750" algn="ctr">
+              <a:buFont typeface="Arial" charset="0"/>
+              <a:buChar char="•"/>
+            </a:pPr>
             <a:endParaRPr lang="en-US" dirty="0"/>
           </a:p>
         </p:txBody>
@@ -5813,7 +5844,7 @@
     </p:spTree>
     <p:extLst>
       <p:ext uri="{BB962C8B-B14F-4D97-AF65-F5344CB8AC3E}">
-        <p14:creationId xmlns:p14="http://schemas.microsoft.com/office/powerpoint/2010/main" val="231998605"/>
+        <p14:creationId xmlns:p14="http://schemas.microsoft.com/office/powerpoint/2010/main" val="1118950927"/>
       </p:ext>
     </p:extLst>
   </p:cSld>
@@ -5864,6 +5895,68 @@
           </a:bodyPr>
           <a:lstStyle/>
           <a:p>
+            <a:r>
+              <a:rPr lang="en-US" dirty="0" smtClean="0"/>
+              <a:t>Questions?</a:t>
+            </a:r>
+            <a:endParaRPr lang="en-US" dirty="0"/>
+          </a:p>
+        </p:txBody>
+      </p:sp>
+    </p:spTree>
+    <p:extLst>
+      <p:ext uri="{BB962C8B-B14F-4D97-AF65-F5344CB8AC3E}">
+        <p14:creationId xmlns:p14="http://schemas.microsoft.com/office/powerpoint/2010/main" val="231998605"/>
+      </p:ext>
+    </p:extLst>
+  </p:cSld>
+  <p:clrMapOvr>
+    <a:masterClrMapping/>
+  </p:clrMapOvr>
+  <p:timing>
+    <p:tnLst>
+      <p:par>
+        <p:cTn id="1" dur="indefinite" restart="never" nodeType="tmRoot"/>
+      </p:par>
+    </p:tnLst>
+  </p:timing>
+</p:sld>
+</file>
+
+<file path=ppt/slides/slide29.xml><?xml version="1.0" encoding="utf-8"?>
+<p:sld xmlns:a="http://schemas.openxmlformats.org/drawingml/2006/main" xmlns:r="http://schemas.openxmlformats.org/officeDocument/2006/relationships" xmlns:p="http://schemas.openxmlformats.org/presentationml/2006/main">
+  <p:cSld>
+    <p:spTree>
+      <p:nvGrpSpPr>
+        <p:cNvPr id="1" name=""/>
+        <p:cNvGrpSpPr/>
+        <p:nvPr/>
+      </p:nvGrpSpPr>
+      <p:grpSpPr>
+        <a:xfrm>
+          <a:off x="0" y="0"/>
+          <a:ext cx="0" cy="0"/>
+          <a:chOff x="0" y="0"/>
+          <a:chExt cx="0" cy="0"/>
+        </a:xfrm>
+      </p:grpSpPr>
+      <p:sp>
+        <p:nvSpPr>
+          <p:cNvPr id="2" name="Text Placeholder 1"/>
+          <p:cNvSpPr>
+            <a:spLocks noGrp="1"/>
+          </p:cNvSpPr>
+          <p:nvPr>
+            <p:ph type="body" sz="quarter" idx="10"/>
+          </p:nvPr>
+        </p:nvSpPr>
+        <p:spPr/>
+        <p:txBody>
+          <a:bodyPr>
+            <a:normAutofit/>
+          </a:bodyPr>
+          <a:lstStyle/>
+          <a:p>
             <a:endParaRPr lang="en-US" dirty="0"/>
           </a:p>
         </p:txBody>
@@ -5878,6 +5971,13 @@
   <p:clrMapOvr>
     <a:masterClrMapping/>
   </p:clrMapOvr>
+  <p:timing>
+    <p:tnLst>
+      <p:par>
+        <p:cTn id="1" dur="indefinite" restart="never" nodeType="tmRoot"/>
+      </p:par>
+    </p:tnLst>
+  </p:timing>
 </p:sld>
 </file>
 
@@ -6177,7 +6277,6 @@
               <a:rPr lang="en-US" dirty="0" smtClean="0"/>
               <a:t>Don’t forget the GOPATH</a:t>
             </a:r>
-            <a:endParaRPr lang="en-US" dirty="0" smtClean="0"/>
           </a:p>
           <a:p>
             <a:pPr marL="285750" indent="-285750">
@@ -6330,7 +6429,6 @@
               <a:rPr lang="en-US" dirty="0"/>
               <a:t>)</a:t>
             </a:r>
-            <a:endParaRPr lang="en-US" dirty="0"/>
           </a:p>
         </p:txBody>
       </p:sp>
@@ -6479,11 +6577,6 @@
               </a:rPr>
               <a:t>/vet/list and more</a:t>
             </a:r>
-            <a:endParaRPr lang="en-US" dirty="0" smtClean="0">
-              <a:latin typeface="Consolas" charset="0"/>
-              <a:ea typeface="Consolas" charset="0"/>
-              <a:cs typeface="Consolas" charset="0"/>
-            </a:endParaRPr>
           </a:p>
         </p:txBody>
       </p:sp>
